--- a/Day 2/Fondamenti Java 2.pptx
+++ b/Day 2/Fondamenti Java 2.pptx
@@ -7833,11 +7833,11 @@
             <a:pPr lvl="1"/>
             <a:r>
               <a:rPr lang="it-IT" dirty="0"/>
-              <a:t>Creare un metodo di stampa dei canali </a:t>
-            </a:r>
-            <a:r>
-              <a:rPr lang="it-IT" dirty="0" err="1"/>
-              <a:t>risorsivo</a:t>
+              <a:t>Creare un metodo di stampa dei </a:t>
+            </a:r>
+            <a:r>
+              <a:rPr lang="it-IT"/>
+              <a:t>canali ricorsivo</a:t>
             </a:r>
             <a:endParaRPr lang="it-IT" dirty="0"/>
           </a:p>

--- a/Day 2/Fondamenti Java 2.pptx
+++ b/Day 2/Fondamenti Java 2.pptx
@@ -7,6 +7,8 @@
   <p:sldIdLst>
     <p:sldId id="256" r:id="rId2"/>
     <p:sldId id="257" r:id="rId3"/>
+    <p:sldId id="258" r:id="rId4"/>
+    <p:sldId id="259" r:id="rId5"/>
   </p:sldIdLst>
   <p:sldSz cx="12192000" cy="6858000"/>
   <p:notesSz cx="6858000" cy="9144000"/>
@@ -7780,27 +7782,23 @@
               <a:rPr lang="it-IT" dirty="0">
                 <a:hlinkClick r:id="rId2"/>
               </a:rPr>
-              <a:t>https://</a:t>
-            </a:r>
-            <a:r>
-              <a:rPr lang="it-IT" dirty="0" err="1">
-                <a:hlinkClick r:id="rId2"/>
-              </a:rPr>
-              <a:t>github.com</a:t>
-            </a:r>
-            <a:r>
-              <a:rPr lang="it-IT" dirty="0">
-                <a:hlinkClick r:id="rId2"/>
-              </a:rPr>
-              <a:t>/AlessandroS94/</a:t>
-            </a:r>
-            <a:r>
-              <a:rPr lang="it-IT" dirty="0" err="1">
-                <a:hlinkClick r:id="rId2"/>
-              </a:rPr>
-              <a:t>EsercitazioneAcademy.git</a:t>
+              <a:t>https://github.com/AlessandroS94/EsercitazioneAcademy.git</a:t>
             </a:r>
             <a:endParaRPr lang="it-IT" dirty="0"/>
+          </a:p>
+          <a:p>
+            <a:r>
+              <a:rPr lang="it-IT" dirty="0"/>
+              <a:t>Creare un nuovo </a:t>
+            </a:r>
+            <a:r>
+              <a:rPr lang="it-IT" dirty="0" err="1"/>
+              <a:t>branch</a:t>
+            </a:r>
+            <a:r>
+              <a:rPr lang="it-IT" dirty="0"/>
+              <a:t> e lavorare su quello </a:t>
+            </a:r>
           </a:p>
           <a:p>
             <a:r>
@@ -7833,13 +7831,8 @@
             <a:pPr lvl="1"/>
             <a:r>
               <a:rPr lang="it-IT" dirty="0"/>
-              <a:t>Creare un metodo di stampa dei </a:t>
-            </a:r>
-            <a:r>
-              <a:rPr lang="it-IT"/>
-              <a:t>canali ricorsivo</a:t>
-            </a:r>
-            <a:endParaRPr lang="it-IT" dirty="0"/>
+              <a:t>Creare un metodo di stampa dei canali ricorsivo</a:t>
+            </a:r>
           </a:p>
           <a:p>
             <a:pPr lvl="1"/>
@@ -7851,6 +7844,260 @@
     <p:extLst>
       <p:ext uri="{BB962C8B-B14F-4D97-AF65-F5344CB8AC3E}">
         <p14:creationId xmlns:p14="http://schemas.microsoft.com/office/powerpoint/2010/main" val="1882411353"/>
+      </p:ext>
+    </p:extLst>
+  </p:cSld>
+  <p:clrMapOvr>
+    <a:masterClrMapping/>
+  </p:clrMapOvr>
+</p:sld>
+</file>
+
+<file path=ppt/slides/slide3.xml><?xml version="1.0" encoding="utf-8"?>
+<p:sld xmlns:a="http://schemas.openxmlformats.org/drawingml/2006/main" xmlns:r="http://schemas.openxmlformats.org/officeDocument/2006/relationships" xmlns:p="http://schemas.openxmlformats.org/presentationml/2006/main">
+  <p:cSld>
+    <p:spTree>
+      <p:nvGrpSpPr>
+        <p:cNvPr id="1" name=""/>
+        <p:cNvGrpSpPr/>
+        <p:nvPr/>
+      </p:nvGrpSpPr>
+      <p:grpSpPr>
+        <a:xfrm>
+          <a:off x="0" y="0"/>
+          <a:ext cx="0" cy="0"/>
+          <a:chOff x="0" y="0"/>
+          <a:chExt cx="0" cy="0"/>
+        </a:xfrm>
+      </p:grpSpPr>
+      <p:sp>
+        <p:nvSpPr>
+          <p:cNvPr id="2" name="Titolo 1">
+            <a:extLst>
+              <a:ext uri="{FF2B5EF4-FFF2-40B4-BE49-F238E27FC236}">
+                <a16:creationId xmlns:a16="http://schemas.microsoft.com/office/drawing/2014/main" id="{4CB6FDE7-DA42-A07A-23E3-F081662D69AA}"/>
+              </a:ext>
+            </a:extLst>
+          </p:cNvPr>
+          <p:cNvSpPr>
+            <a:spLocks noGrp="1"/>
+          </p:cNvSpPr>
+          <p:nvPr>
+            <p:ph type="title"/>
+          </p:nvPr>
+        </p:nvSpPr>
+        <p:spPr/>
+        <p:txBody>
+          <a:bodyPr/>
+          <a:lstStyle/>
+          <a:p>
+            <a:r>
+              <a:rPr lang="it-IT" dirty="0"/>
+              <a:t>Esercizio di riepilogo</a:t>
+            </a:r>
+          </a:p>
+        </p:txBody>
+      </p:sp>
+      <p:sp>
+        <p:nvSpPr>
+          <p:cNvPr id="3" name="Segnaposto contenuto 2">
+            <a:extLst>
+              <a:ext uri="{FF2B5EF4-FFF2-40B4-BE49-F238E27FC236}">
+                <a16:creationId xmlns:a16="http://schemas.microsoft.com/office/drawing/2014/main" id="{6FC34744-92A8-79FD-E122-7203360C230E}"/>
+              </a:ext>
+            </a:extLst>
+          </p:cNvPr>
+          <p:cNvSpPr>
+            <a:spLocks noGrp="1"/>
+          </p:cNvSpPr>
+          <p:nvPr>
+            <p:ph idx="1"/>
+          </p:nvPr>
+        </p:nvSpPr>
+        <p:spPr/>
+        <p:txBody>
+          <a:bodyPr/>
+          <a:lstStyle/>
+          <a:p>
+            <a:r>
+              <a:rPr lang="it-IT" dirty="0"/>
+              <a:t>Sulla stessa </a:t>
+            </a:r>
+            <a:r>
+              <a:rPr lang="it-IT" dirty="0" err="1"/>
+              <a:t>Git</a:t>
+            </a:r>
+            <a:r>
+              <a:rPr lang="it-IT" dirty="0"/>
+              <a:t> </a:t>
+            </a:r>
+          </a:p>
+          <a:p>
+            <a:endParaRPr lang="it-IT" dirty="0"/>
+          </a:p>
+          <a:p>
+            <a:r>
+              <a:rPr lang="it-IT" dirty="0"/>
+              <a:t>Estendere la classe Elettrodomestici su TV.</a:t>
+            </a:r>
+          </a:p>
+          <a:p>
+            <a:r>
+              <a:rPr lang="it-IT" dirty="0"/>
+              <a:t>Elettrodomestici dovrà avere:</a:t>
+            </a:r>
+          </a:p>
+          <a:p>
+            <a:pPr lvl="1"/>
+            <a:r>
+              <a:rPr lang="it-IT" dirty="0"/>
+              <a:t>Numero seriale</a:t>
+            </a:r>
+          </a:p>
+          <a:p>
+            <a:pPr lvl="1"/>
+            <a:r>
+              <a:rPr lang="it-IT" dirty="0"/>
+              <a:t>produttore</a:t>
+            </a:r>
+          </a:p>
+        </p:txBody>
+      </p:sp>
+    </p:spTree>
+    <p:extLst>
+      <p:ext uri="{BB962C8B-B14F-4D97-AF65-F5344CB8AC3E}">
+        <p14:creationId xmlns:p14="http://schemas.microsoft.com/office/powerpoint/2010/main" val="2588129925"/>
+      </p:ext>
+    </p:extLst>
+  </p:cSld>
+  <p:clrMapOvr>
+    <a:masterClrMapping/>
+  </p:clrMapOvr>
+</p:sld>
+</file>
+
+<file path=ppt/slides/slide4.xml><?xml version="1.0" encoding="utf-8"?>
+<p:sld xmlns:a="http://schemas.openxmlformats.org/drawingml/2006/main" xmlns:r="http://schemas.openxmlformats.org/officeDocument/2006/relationships" xmlns:p="http://schemas.openxmlformats.org/presentationml/2006/main">
+  <p:cSld>
+    <p:spTree>
+      <p:nvGrpSpPr>
+        <p:cNvPr id="1" name=""/>
+        <p:cNvGrpSpPr/>
+        <p:nvPr/>
+      </p:nvGrpSpPr>
+      <p:grpSpPr>
+        <a:xfrm>
+          <a:off x="0" y="0"/>
+          <a:ext cx="0" cy="0"/>
+          <a:chOff x="0" y="0"/>
+          <a:chExt cx="0" cy="0"/>
+        </a:xfrm>
+      </p:grpSpPr>
+      <p:sp>
+        <p:nvSpPr>
+          <p:cNvPr id="2" name="Titolo 1">
+            <a:extLst>
+              <a:ext uri="{FF2B5EF4-FFF2-40B4-BE49-F238E27FC236}">
+                <a16:creationId xmlns:a16="http://schemas.microsoft.com/office/drawing/2014/main" id="{4CB6FDE7-DA42-A07A-23E3-F081662D69AA}"/>
+              </a:ext>
+            </a:extLst>
+          </p:cNvPr>
+          <p:cNvSpPr>
+            <a:spLocks noGrp="1"/>
+          </p:cNvSpPr>
+          <p:nvPr>
+            <p:ph type="title"/>
+          </p:nvPr>
+        </p:nvSpPr>
+        <p:spPr/>
+        <p:txBody>
+          <a:bodyPr/>
+          <a:lstStyle/>
+          <a:p>
+            <a:r>
+              <a:rPr lang="it-IT" dirty="0"/>
+              <a:t>Esercizio di riepilogo</a:t>
+            </a:r>
+          </a:p>
+        </p:txBody>
+      </p:sp>
+      <p:sp>
+        <p:nvSpPr>
+          <p:cNvPr id="3" name="Segnaposto contenuto 2">
+            <a:extLst>
+              <a:ext uri="{FF2B5EF4-FFF2-40B4-BE49-F238E27FC236}">
+                <a16:creationId xmlns:a16="http://schemas.microsoft.com/office/drawing/2014/main" id="{6FC34744-92A8-79FD-E122-7203360C230E}"/>
+              </a:ext>
+            </a:extLst>
+          </p:cNvPr>
+          <p:cNvSpPr>
+            <a:spLocks noGrp="1"/>
+          </p:cNvSpPr>
+          <p:nvPr>
+            <p:ph idx="1"/>
+          </p:nvPr>
+        </p:nvSpPr>
+        <p:spPr/>
+        <p:txBody>
+          <a:bodyPr/>
+          <a:lstStyle/>
+          <a:p>
+            <a:r>
+              <a:rPr lang="it-IT" dirty="0"/>
+              <a:t>Sulla stessa </a:t>
+            </a:r>
+            <a:r>
+              <a:rPr lang="it-IT" dirty="0" err="1"/>
+              <a:t>Git</a:t>
+            </a:r>
+            <a:r>
+              <a:rPr lang="it-IT" dirty="0"/>
+              <a:t> </a:t>
+            </a:r>
+          </a:p>
+          <a:p>
+            <a:endParaRPr lang="it-IT" dirty="0"/>
+          </a:p>
+          <a:p>
+            <a:r>
+              <a:rPr lang="it-IT" dirty="0"/>
+              <a:t>Creare un campo Stringa Programma guardato </a:t>
+            </a:r>
+          </a:p>
+          <a:p>
+            <a:r>
+              <a:rPr lang="it-IT" dirty="0"/>
+              <a:t>Creare delle </a:t>
+            </a:r>
+            <a:r>
+              <a:rPr lang="it-IT" dirty="0" err="1"/>
+              <a:t>inferfacce</a:t>
+            </a:r>
+            <a:r>
+              <a:rPr lang="it-IT" dirty="0"/>
+              <a:t> Telecomando, Hub, Telefono.</a:t>
+            </a:r>
+          </a:p>
+          <a:p>
+            <a:r>
+              <a:rPr lang="it-IT" dirty="0"/>
+              <a:t>Implementare per le </a:t>
+            </a:r>
+            <a:r>
+              <a:rPr lang="it-IT"/>
+              <a:t>interfacce cambia </a:t>
+            </a:r>
+            <a:r>
+              <a:rPr lang="it-IT" dirty="0"/>
+              <a:t>canale</a:t>
+            </a:r>
+          </a:p>
+        </p:txBody>
+      </p:sp>
+    </p:spTree>
+    <p:extLst>
+      <p:ext uri="{BB962C8B-B14F-4D97-AF65-F5344CB8AC3E}">
+        <p14:creationId xmlns:p14="http://schemas.microsoft.com/office/powerpoint/2010/main" val="3930000893"/>
       </p:ext>
     </p:extLst>
   </p:cSld>

--- a/Day 2/Fondamenti Java 2.pptx
+++ b/Day 2/Fondamenti Java 2.pptx
@@ -7835,6 +7835,15 @@
             </a:r>
           </a:p>
           <a:p>
+            <a:pPr marL="0" indent="0">
+              <a:buNone/>
+            </a:pPr>
+            <a:r>
+              <a:rPr lang="it-IT" dirty="0"/>
+              <a:t>Fare il merge</a:t>
+            </a:r>
+          </a:p>
+          <a:p>
             <a:pPr lvl="1"/>
             <a:endParaRPr lang="it-IT" dirty="0"/>
           </a:p>
@@ -7958,8 +7967,15 @@
             <a:pPr lvl="1"/>
             <a:r>
               <a:rPr lang="it-IT" dirty="0"/>
-              <a:t>produttore</a:t>
-            </a:r>
+              <a:t>Produttore</a:t>
+            </a:r>
+          </a:p>
+          <a:p>
+            <a:pPr lvl="1"/>
+            <a:endParaRPr lang="it-IT" dirty="0"/>
+          </a:p>
+          <a:p>
+            <a:endParaRPr lang="it-IT" dirty="0"/>
           </a:p>
         </p:txBody>
       </p:sp>
@@ -8081,15 +8097,7 @@
           <a:p>
             <a:r>
               <a:rPr lang="it-IT" dirty="0"/>
-              <a:t>Implementare per le </a:t>
-            </a:r>
-            <a:r>
-              <a:rPr lang="it-IT"/>
-              <a:t>interfacce cambia </a:t>
-            </a:r>
-            <a:r>
-              <a:rPr lang="it-IT" dirty="0"/>
-              <a:t>canale</a:t>
+              <a:t>Implementare per le interfacce cambia canale</a:t>
             </a:r>
           </a:p>
         </p:txBody>
